--- a/Documents/Administration Schema ERD.pptx
+++ b/Documents/Administration Schema ERD.pptx
@@ -106,6 +106,11 @@
       </a:defRPr>
     </a:lvl9pPr>
   </p:defaultTextStyle>
+  <p:extLst>
+    <p:ext uri="{EFAFB233-063F-42B5-8137-9DF3F51BA10A}">
+      <p15:sldGuideLst xmlns:p15="http://schemas.microsoft.com/office/powerpoint/2012/main"/>
+    </p:ext>
+  </p:extLst>
 </p:presentation>
 </file>
 
@@ -3177,22 +3182,13 @@
           <a:p>
             <a:r>
               <a:rPr lang="en-GB" sz="1100" dirty="0" smtClean="0"/>
-              <a:t>Surname </a:t>
-            </a:r>
+              <a:t>Surname (varchar 255)</a:t>
+            </a:r>
+          </a:p>
+          <a:p>
             <a:r>
               <a:rPr lang="en-GB" sz="1100" dirty="0" smtClean="0"/>
-              <a:t>(varchar 255)</a:t>
-            </a:r>
-            <a:endParaRPr lang="en-GB" sz="1100" dirty="0" smtClean="0"/>
-          </a:p>
-          <a:p>
-            <a:r>
-              <a:rPr lang="en-GB" sz="1100" dirty="0" smtClean="0"/>
-              <a:t>Email </a:t>
-            </a:r>
-            <a:r>
-              <a:rPr lang="en-GB" sz="1100" dirty="0" smtClean="0"/>
-              <a:t>(varchar 255)</a:t>
+              <a:t>Email (varchar 255)</a:t>
             </a:r>
           </a:p>
           <a:p>
@@ -3848,7 +3844,7 @@
         <p:spPr>
           <a:xfrm>
             <a:off x="741405" y="708454"/>
-            <a:ext cx="9737125" cy="2585323"/>
+            <a:ext cx="9737125" cy="2800767"/>
           </a:xfrm>
           <a:prstGeom prst="rect">
             <a:avLst/>
@@ -3950,8 +3946,30 @@
             </a:r>
             <a:r>
               <a:rPr lang="en-GB" sz="1400" dirty="0" smtClean="0"/>
-              <a:t> tables to be singular, matching pattern of all others</a:t>
-            </a:r>
+              <a:t> tables to be singular, matching pattern of all </a:t>
+            </a:r>
+            <a:r>
+              <a:rPr lang="en-GB" sz="1400" dirty="0" smtClean="0"/>
+              <a:t>others</a:t>
+            </a:r>
+          </a:p>
+          <a:p>
+            <a:pPr marL="342900" indent="-342900">
+              <a:buAutoNum type="arabicParenR"/>
+            </a:pPr>
+            <a:r>
+              <a:rPr lang="en-GB" sz="1400" dirty="0" smtClean="0"/>
+              <a:t>Do </a:t>
+            </a:r>
+            <a:r>
+              <a:rPr lang="en-GB" sz="1400" smtClean="0"/>
+              <a:t>we need </a:t>
+            </a:r>
+            <a:r>
+              <a:rPr lang="en-GB" sz="1400" dirty="0" smtClean="0"/>
+              <a:t>an audit of logon activity?</a:t>
+            </a:r>
+            <a:endParaRPr lang="en-GB" sz="1400" dirty="0" smtClean="0"/>
           </a:p>
           <a:p>
             <a:pPr marL="342900" indent="-342900">

--- a/Documents/Administration Schema ERD.pptx
+++ b/Documents/Administration Schema ERD.pptx
@@ -8,6 +8,8 @@
     <p:sldId id="256" r:id="rId2"/>
     <p:sldId id="257" r:id="rId3"/>
     <p:sldId id="258" r:id="rId4"/>
+    <p:sldId id="259" r:id="rId5"/>
+    <p:sldId id="260" r:id="rId6"/>
   </p:sldIdLst>
   <p:sldSz cx="12192000" cy="6858000"/>
   <p:notesSz cx="6858000" cy="9144000"/>
@@ -3142,7 +3144,7 @@
         <p:spPr>
           <a:xfrm>
             <a:off x="6446718" y="597930"/>
-            <a:ext cx="1588681" cy="1800493"/>
+            <a:ext cx="1588681" cy="2708434"/>
           </a:xfrm>
           <a:prstGeom prst="rect">
             <a:avLst/>
@@ -3188,8 +3190,23 @@
           <a:p>
             <a:r>
               <a:rPr lang="en-GB" sz="1100" dirty="0" smtClean="0"/>
-              <a:t>Email (varchar 255)</a:t>
-            </a:r>
+              <a:t>Email (varchar 255</a:t>
+            </a:r>
+            <a:r>
+              <a:rPr lang="en-GB" sz="1100" dirty="0" smtClean="0"/>
+              <a:t>)</a:t>
+            </a:r>
+          </a:p>
+          <a:p>
+            <a:r>
+              <a:rPr lang="en-GB" sz="1100" dirty="0" err="1" smtClean="0"/>
+              <a:t>IsSuperUser</a:t>
+            </a:r>
+            <a:r>
+              <a:rPr lang="en-GB" sz="1100" dirty="0" smtClean="0"/>
+              <a:t> (bit) **</a:t>
+            </a:r>
+            <a:endParaRPr lang="en-GB" sz="1100" dirty="0" smtClean="0"/>
           </a:p>
           <a:p>
             <a:endParaRPr lang="en-GB" sz="1100" dirty="0"/>
@@ -3197,8 +3214,30 @@
           <a:p>
             <a:r>
               <a:rPr lang="en-GB" sz="800" dirty="0" smtClean="0"/>
-              <a:t>*Avoiding name “User”, as this is a SQL keyword</a:t>
-            </a:r>
+              <a:t>*Avoiding name “User”, as this is a SQL </a:t>
+            </a:r>
+            <a:r>
+              <a:rPr lang="en-GB" sz="800" dirty="0" smtClean="0"/>
+              <a:t>keyword</a:t>
+            </a:r>
+          </a:p>
+          <a:p>
+            <a:endParaRPr lang="en-GB" sz="800" dirty="0" smtClean="0"/>
+          </a:p>
+          <a:p>
+            <a:r>
+              <a:rPr lang="en-GB" sz="800" dirty="0" smtClean="0"/>
+              <a:t>**</a:t>
+            </a:r>
+            <a:r>
+              <a:rPr lang="en-GB" sz="800" dirty="0" err="1" smtClean="0"/>
+              <a:t>SuperUser</a:t>
+            </a:r>
+            <a:r>
+              <a:rPr lang="en-GB" sz="800" dirty="0" smtClean="0"/>
+              <a:t> status is separate from normal permissions, as this is an attribute of the entire person, not just their access at a specific organisation</a:t>
+            </a:r>
+            <a:endParaRPr lang="en-GB" sz="800" dirty="0" smtClean="0"/>
           </a:p>
           <a:p>
             <a:endParaRPr lang="en-GB" sz="1100" dirty="0" smtClean="0"/>
@@ -3308,7 +3347,7 @@
         <p:spPr>
           <a:xfrm>
             <a:off x="3073325" y="597930"/>
-            <a:ext cx="2685535" cy="1723549"/>
+            <a:ext cx="2685535" cy="2923877"/>
           </a:xfrm>
           <a:prstGeom prst="rect">
             <a:avLst/>
@@ -3359,8 +3398,50 @@
             </a:r>
             <a:r>
               <a:rPr lang="en-GB" sz="1200" dirty="0" smtClean="0"/>
+              <a:t>)*</a:t>
+            </a:r>
+          </a:p>
+          <a:p>
+            <a:r>
+              <a:rPr lang="en-GB" sz="1200" dirty="0" err="1" smtClean="0"/>
+              <a:t>DtExpired</a:t>
+            </a:r>
+            <a:r>
+              <a:rPr lang="en-GB" sz="1200" dirty="0" smtClean="0"/>
+              <a:t> (</a:t>
+            </a:r>
+            <a:r>
+              <a:rPr lang="en-GB" sz="1200" dirty="0" err="1" smtClean="0"/>
+              <a:t>datetime</a:t>
+            </a:r>
+            <a:r>
+              <a:rPr lang="en-GB" sz="1200" dirty="0"/>
               <a:t>)</a:t>
             </a:r>
+            <a:endParaRPr lang="en-GB" sz="1200" dirty="0" smtClean="0"/>
+          </a:p>
+          <a:p>
+            <a:endParaRPr lang="en-GB" sz="1200" dirty="0" smtClean="0"/>
+          </a:p>
+          <a:p>
+            <a:r>
+              <a:rPr lang="en-GB" sz="800" dirty="0"/>
+              <a:t>Joins Organisation and Person, so a single person could potentially log on to multiple organisations.</a:t>
+            </a:r>
+          </a:p>
+          <a:p>
+            <a:endParaRPr lang="en-GB" sz="1200" dirty="0" smtClean="0"/>
+          </a:p>
+          <a:p>
+            <a:r>
+              <a:rPr lang="en-GB" sz="800" dirty="0" smtClean="0"/>
+              <a:t>*Permissions</a:t>
+            </a:r>
+            <a:r>
+              <a:rPr lang="en-GB" sz="800" dirty="0"/>
+              <a:t>: 1=User, 2=Admin</a:t>
+            </a:r>
+            <a:endParaRPr lang="en-GB" sz="1100" dirty="0"/>
           </a:p>
           <a:p>
             <a:endParaRPr lang="en-GB" sz="1200" dirty="0"/>
@@ -3368,9 +3449,19 @@
           <a:p>
             <a:r>
               <a:rPr lang="en-GB" sz="800" dirty="0" smtClean="0"/>
-              <a:t>Joins Organisation and Person, so a single person could potentially log on to multiple organisations.</a:t>
-            </a:r>
-            <a:endParaRPr lang="en-GB" sz="1100" dirty="0" smtClean="0"/>
+              <a:t>**When an admin deletes a person from their organisation, the </a:t>
+            </a:r>
+            <a:r>
+              <a:rPr lang="en-GB" sz="800" dirty="0" err="1" smtClean="0"/>
+              <a:t>DtExpired</a:t>
+            </a:r>
+            <a:r>
+              <a:rPr lang="en-GB" sz="800" dirty="0" smtClean="0"/>
+              <a:t> is set. This provides the audit and allows potential reactivation.</a:t>
+            </a:r>
+          </a:p>
+          <a:p>
+            <a:endParaRPr lang="en-GB" sz="800" dirty="0"/>
           </a:p>
           <a:p>
             <a:endParaRPr lang="en-GB" sz="1200" dirty="0"/>
@@ -3486,7 +3577,7 @@
         </p:nvSpPr>
         <p:spPr>
           <a:xfrm>
-            <a:off x="2767914" y="2860088"/>
+            <a:off x="3073325" y="3434706"/>
             <a:ext cx="1779372" cy="1631216"/>
           </a:xfrm>
           <a:prstGeom prst="rect">
@@ -3581,9 +3672,9 @@
           <p:nvPr/>
         </p:nvCxnSpPr>
         <p:spPr>
-          <a:xfrm flipH="1">
+          <a:xfrm flipH="1" flipV="1">
             <a:off x="1614616" y="3220995"/>
-            <a:ext cx="1153298" cy="0"/>
+            <a:ext cx="1458709" cy="604385"/>
           </a:xfrm>
           <a:prstGeom prst="straightConnector1">
             <a:avLst/>
@@ -3615,7 +3706,7 @@
         </p:nvSpPr>
         <p:spPr>
           <a:xfrm>
-            <a:off x="6446718" y="2860088"/>
+            <a:off x="6446718" y="3762954"/>
             <a:ext cx="2026508" cy="2677656"/>
           </a:xfrm>
           <a:prstGeom prst="rect">
@@ -3699,7 +3790,7 @@
         </p:nvSpPr>
         <p:spPr>
           <a:xfrm>
-            <a:off x="2767914" y="4852211"/>
+            <a:off x="3073325" y="5426829"/>
             <a:ext cx="1911178" cy="861774"/>
           </a:xfrm>
           <a:prstGeom prst="rect">
@@ -3745,7 +3836,7 @@
         </p:nvCxnSpPr>
         <p:spPr>
           <a:xfrm>
-            <a:off x="3550508" y="4198916"/>
+            <a:off x="3855919" y="4773534"/>
             <a:ext cx="0" cy="653184"/>
           </a:xfrm>
           <a:prstGeom prst="straightConnector1">
@@ -3780,7 +3871,7 @@
         </p:nvCxnSpPr>
         <p:spPr>
           <a:xfrm flipH="1" flipV="1">
-            <a:off x="7443495" y="2180972"/>
+            <a:off x="7443495" y="3083838"/>
             <a:ext cx="16477" cy="679116"/>
           </a:xfrm>
           <a:prstGeom prst="straightConnector1">
@@ -3844,7 +3935,7 @@
         <p:spPr>
           <a:xfrm>
             <a:off x="741405" y="708454"/>
-            <a:ext cx="9737125" cy="2800767"/>
+            <a:ext cx="9737125" cy="3016210"/>
           </a:xfrm>
           <a:prstGeom prst="rect">
             <a:avLst/>
@@ -3868,15 +3959,7 @@
             </a:pPr>
             <a:r>
               <a:rPr lang="en-GB" sz="1400" dirty="0" smtClean="0"/>
-              <a:t>Think we should have …</a:t>
-            </a:r>
-            <a:r>
-              <a:rPr lang="en-GB" sz="1400" dirty="0" err="1" smtClean="0"/>
-              <a:t>Uuid</a:t>
-            </a:r>
-            <a:r>
-              <a:rPr lang="en-GB" sz="1400" dirty="0" smtClean="0"/>
-              <a:t> on ALL tables, as primary key column, even if never used. Makes tables consistent and provides a measure of DB integrity.</a:t>
+              <a:t>Think we should have …Uuid on ALL tables, as primary key column, even if never used. Makes tables consistent and provides a measure of DB integrity.</a:t>
             </a:r>
           </a:p>
           <a:p>
@@ -3946,11 +4029,7 @@
             </a:r>
             <a:r>
               <a:rPr lang="en-GB" sz="1400" dirty="0" smtClean="0"/>
-              <a:t> tables to be singular, matching pattern of all </a:t>
-            </a:r>
-            <a:r>
-              <a:rPr lang="en-GB" sz="1400" dirty="0" smtClean="0"/>
-              <a:t>others</a:t>
+              <a:t> tables to be singular, matching pattern of all others</a:t>
             </a:r>
           </a:p>
           <a:p>
@@ -3959,17 +4038,22 @@
             </a:pPr>
             <a:r>
               <a:rPr lang="en-GB" sz="1400" dirty="0" smtClean="0"/>
-              <a:t>Do </a:t>
-            </a:r>
-            <a:r>
-              <a:rPr lang="en-GB" sz="1400" smtClean="0"/>
-              <a:t>we need </a:t>
+              <a:t>Do we need an audit of logon activity</a:t>
             </a:r>
             <a:r>
               <a:rPr lang="en-GB" sz="1400" dirty="0" smtClean="0"/>
-              <a:t>an audit of logon activity?</a:t>
-            </a:r>
-            <a:endParaRPr lang="en-GB" sz="1400" dirty="0" smtClean="0"/>
+              <a:t>?</a:t>
+            </a:r>
+          </a:p>
+          <a:p>
+            <a:pPr marL="342900" indent="-342900">
+              <a:buAutoNum type="arabicParenR"/>
+            </a:pPr>
+            <a:r>
+              <a:rPr lang="en-GB" sz="1400" strike="sngStrike" dirty="0" smtClean="0"/>
+              <a:t>Need ability to suspend or delete users?</a:t>
+            </a:r>
+            <a:endParaRPr lang="en-GB" sz="1400" strike="sngStrike" dirty="0" smtClean="0"/>
           </a:p>
           <a:p>
             <a:pPr marL="342900" indent="-342900">
@@ -3983,6 +4067,918 @@
     <p:extLst>
       <p:ext uri="{BB962C8B-B14F-4D97-AF65-F5344CB8AC3E}">
         <p14:creationId xmlns:p14="http://schemas.microsoft.com/office/powerpoint/2010/main" val="3779195499"/>
+      </p:ext>
+    </p:extLst>
+  </p:cSld>
+  <p:clrMapOvr>
+    <a:masterClrMapping/>
+  </p:clrMapOvr>
+</p:sld>
+</file>
+
+<file path=ppt/slides/slide4.xml><?xml version="1.0" encoding="utf-8"?>
+<p:sld xmlns:a="http://schemas.openxmlformats.org/drawingml/2006/main" xmlns:r="http://schemas.openxmlformats.org/officeDocument/2006/relationships" xmlns:p="http://schemas.openxmlformats.org/presentationml/2006/main">
+  <p:cSld>
+    <p:spTree>
+      <p:nvGrpSpPr>
+        <p:cNvPr id="1" name=""/>
+        <p:cNvGrpSpPr/>
+        <p:nvPr/>
+      </p:nvGrpSpPr>
+      <p:grpSpPr>
+        <a:xfrm>
+          <a:off x="0" y="0"/>
+          <a:ext cx="0" cy="0"/>
+          <a:chOff x="0" y="0"/>
+          <a:chExt cx="0" cy="0"/>
+        </a:xfrm>
+      </p:grpSpPr>
+      <p:sp>
+        <p:nvSpPr>
+          <p:cNvPr id="2" name="TextBox 1"/>
+          <p:cNvSpPr txBox="1"/>
+          <p:nvPr/>
+        </p:nvSpPr>
+        <p:spPr>
+          <a:xfrm>
+            <a:off x="4720016" y="1782169"/>
+            <a:ext cx="4173712" cy="2339102"/>
+          </a:xfrm>
+          <a:prstGeom prst="rect">
+            <a:avLst/>
+          </a:prstGeom>
+          <a:noFill/>
+        </p:spPr>
+        <p:txBody>
+          <a:bodyPr wrap="square" rtlCol="0">
+            <a:spAutoFit/>
+          </a:bodyPr>
+          <a:lstStyle/>
+          <a:p>
+            <a:r>
+              <a:rPr lang="en-GB" dirty="0" smtClean="0"/>
+              <a:t>/</a:t>
+            </a:r>
+            <a:r>
+              <a:rPr lang="en-GB" dirty="0" err="1" smtClean="0"/>
+              <a:t>createPerson</a:t>
+            </a:r>
+            <a:endParaRPr lang="en-GB" dirty="0" smtClean="0"/>
+          </a:p>
+          <a:p>
+            <a:r>
+              <a:rPr lang="en-GB" sz="1200" dirty="0" smtClean="0"/>
+              <a:t>Prerequisites: authenticated password and admin permission</a:t>
+            </a:r>
+          </a:p>
+          <a:p>
+            <a:r>
+              <a:rPr lang="en-GB" sz="1200" dirty="0" smtClean="0"/>
+              <a:t>Parameters: JSON of Person name and email and permissions</a:t>
+            </a:r>
+          </a:p>
+          <a:p>
+            <a:r>
+              <a:rPr lang="en-GB" sz="1200" dirty="0" smtClean="0"/>
+              <a:t>Response: </a:t>
+            </a:r>
+            <a:r>
+              <a:rPr lang="en-GB" sz="1200" dirty="0" err="1" smtClean="0"/>
+              <a:t>CreatePerson</a:t>
+            </a:r>
+            <a:r>
+              <a:rPr lang="en-GB" sz="1200" dirty="0" smtClean="0"/>
+              <a:t> response constant</a:t>
+            </a:r>
+          </a:p>
+          <a:p>
+            <a:endParaRPr lang="en-GB" sz="1200" dirty="0" smtClean="0"/>
+          </a:p>
+          <a:p>
+            <a:r>
+              <a:rPr lang="en-GB" sz="1000" dirty="0" smtClean="0"/>
+              <a:t>Call to create a new person, passing up name and email and desired permission. Response is a defined constant:</a:t>
+            </a:r>
+          </a:p>
+          <a:p>
+            <a:pPr marL="228600" indent="-228600">
+              <a:buAutoNum type="arabicParenR"/>
+            </a:pPr>
+            <a:r>
+              <a:rPr lang="en-GB" sz="1000" dirty="0" smtClean="0"/>
+              <a:t>New person created and invitation email sent</a:t>
+            </a:r>
+          </a:p>
+          <a:p>
+            <a:pPr marL="228600" indent="-228600">
+              <a:buAutoNum type="arabicParenR"/>
+            </a:pPr>
+            <a:r>
+              <a:rPr lang="en-GB" sz="1000" dirty="0" smtClean="0"/>
+              <a:t>Person already exists (i.e. email already in use) at another organisation, so email sent but without invitation, since the person already has a password set up and just needs to be told about their new access privileges.</a:t>
+            </a:r>
+          </a:p>
+          <a:p>
+            <a:pPr marL="228600" indent="-228600">
+              <a:buAutoNum type="arabicParenR"/>
+            </a:pPr>
+            <a:r>
+              <a:rPr lang="en-GB" sz="1000" dirty="0" smtClean="0"/>
+              <a:t>Person already exists at this organisation, so cannot add new person</a:t>
+            </a:r>
+            <a:endParaRPr lang="en-GB" sz="1000" dirty="0"/>
+          </a:p>
+        </p:txBody>
+      </p:sp>
+      <p:sp>
+        <p:nvSpPr>
+          <p:cNvPr id="3" name="TextBox 2"/>
+          <p:cNvSpPr txBox="1"/>
+          <p:nvPr/>
+        </p:nvSpPr>
+        <p:spPr>
+          <a:xfrm>
+            <a:off x="238897" y="2563796"/>
+            <a:ext cx="4173712" cy="1600438"/>
+          </a:xfrm>
+          <a:prstGeom prst="rect">
+            <a:avLst/>
+          </a:prstGeom>
+          <a:noFill/>
+        </p:spPr>
+        <p:txBody>
+          <a:bodyPr wrap="square" rtlCol="0">
+            <a:spAutoFit/>
+          </a:bodyPr>
+          <a:lstStyle/>
+          <a:p>
+            <a:r>
+              <a:rPr lang="en-GB" dirty="0" smtClean="0"/>
+              <a:t>/</a:t>
+            </a:r>
+            <a:r>
+              <a:rPr lang="en-GB" dirty="0" err="1" smtClean="0"/>
+              <a:t>selectOrganisation</a:t>
+            </a:r>
+            <a:endParaRPr lang="en-GB" dirty="0" smtClean="0"/>
+          </a:p>
+          <a:p>
+            <a:r>
+              <a:rPr lang="en-GB" sz="1200" dirty="0" smtClean="0"/>
+              <a:t>Prerequisites: authenticated password</a:t>
+            </a:r>
+          </a:p>
+          <a:p>
+            <a:r>
+              <a:rPr lang="en-GB" sz="1200" dirty="0" smtClean="0"/>
+              <a:t>Parameters: </a:t>
+            </a:r>
+            <a:r>
+              <a:rPr lang="en-GB" sz="1200" dirty="0" err="1" smtClean="0"/>
+              <a:t>OrganisationUuid</a:t>
+            </a:r>
+            <a:endParaRPr lang="en-GB" sz="1200" dirty="0" smtClean="0"/>
+          </a:p>
+          <a:p>
+            <a:r>
+              <a:rPr lang="en-GB" sz="1200" dirty="0" smtClean="0"/>
+              <a:t>Response: JSON of the </a:t>
+            </a:r>
+            <a:r>
+              <a:rPr lang="en-GB" sz="1200" dirty="0" err="1" smtClean="0"/>
+              <a:t>OrganisationPersonLink</a:t>
+            </a:r>
+            <a:r>
+              <a:rPr lang="en-GB" sz="1200" dirty="0" smtClean="0"/>
+              <a:t> object for that person and organisation, giving the permissions they have there</a:t>
+            </a:r>
+          </a:p>
+          <a:p>
+            <a:endParaRPr lang="en-GB" sz="1200" dirty="0" smtClean="0"/>
+          </a:p>
+          <a:p>
+            <a:r>
+              <a:rPr lang="en-GB" sz="1000" dirty="0" smtClean="0"/>
+              <a:t>Optional call, used when a user selects the organisation they want to log on to. Not required if they only have access to a single organisation.</a:t>
+            </a:r>
+            <a:endParaRPr lang="en-GB" sz="1000" dirty="0"/>
+          </a:p>
+        </p:txBody>
+      </p:sp>
+      <p:sp>
+        <p:nvSpPr>
+          <p:cNvPr id="4" name="TextBox 3"/>
+          <p:cNvSpPr txBox="1"/>
+          <p:nvPr/>
+        </p:nvSpPr>
+        <p:spPr>
+          <a:xfrm>
+            <a:off x="238897" y="4256666"/>
+            <a:ext cx="4173712" cy="1569660"/>
+          </a:xfrm>
+          <a:prstGeom prst="rect">
+            <a:avLst/>
+          </a:prstGeom>
+          <a:noFill/>
+        </p:spPr>
+        <p:txBody>
+          <a:bodyPr wrap="square" rtlCol="0">
+            <a:spAutoFit/>
+          </a:bodyPr>
+          <a:lstStyle/>
+          <a:p>
+            <a:r>
+              <a:rPr lang="en-GB" dirty="0" smtClean="0"/>
+              <a:t>/logoff</a:t>
+            </a:r>
+          </a:p>
+          <a:p>
+            <a:r>
+              <a:rPr lang="en-GB" sz="1200" dirty="0"/>
+              <a:t>Prerequisites: </a:t>
+            </a:r>
+            <a:r>
+              <a:rPr lang="en-GB" sz="1200" dirty="0" smtClean="0"/>
+              <a:t>none</a:t>
+            </a:r>
+            <a:endParaRPr lang="en-GB" sz="1200" dirty="0"/>
+          </a:p>
+          <a:p>
+            <a:r>
+              <a:rPr lang="en-GB" sz="1200" dirty="0" smtClean="0"/>
+              <a:t>Parameters: none</a:t>
+            </a:r>
+          </a:p>
+          <a:p>
+            <a:r>
+              <a:rPr lang="en-GB" sz="1200" dirty="0" smtClean="0"/>
+              <a:t>Response: none</a:t>
+            </a:r>
+          </a:p>
+          <a:p>
+            <a:endParaRPr lang="en-GB" sz="1200" dirty="0" smtClean="0"/>
+          </a:p>
+          <a:p>
+            <a:r>
+              <a:rPr lang="en-GB" sz="1000" dirty="0" smtClean="0"/>
+              <a:t>Call to end the session, which will remove the token from the server, preventing any further secure functions using that token. If the token has already been removed, then no error is raised.</a:t>
+            </a:r>
+            <a:endParaRPr lang="en-GB" sz="1000" dirty="0"/>
+          </a:p>
+        </p:txBody>
+      </p:sp>
+      <p:sp>
+        <p:nvSpPr>
+          <p:cNvPr id="5" name="TextBox 4"/>
+          <p:cNvSpPr txBox="1"/>
+          <p:nvPr/>
+        </p:nvSpPr>
+        <p:spPr>
+          <a:xfrm>
+            <a:off x="4720016" y="255373"/>
+            <a:ext cx="4173712" cy="1415772"/>
+          </a:xfrm>
+          <a:prstGeom prst="rect">
+            <a:avLst/>
+          </a:prstGeom>
+          <a:noFill/>
+        </p:spPr>
+        <p:txBody>
+          <a:bodyPr wrap="square" rtlCol="0">
+            <a:spAutoFit/>
+          </a:bodyPr>
+          <a:lstStyle/>
+          <a:p>
+            <a:r>
+              <a:rPr lang="en-GB" dirty="0" smtClean="0"/>
+              <a:t>/</a:t>
+            </a:r>
+            <a:r>
+              <a:rPr lang="en-GB" dirty="0" err="1" smtClean="0"/>
+              <a:t>changePassword</a:t>
+            </a:r>
+            <a:endParaRPr lang="en-GB" dirty="0" smtClean="0"/>
+          </a:p>
+          <a:p>
+            <a:r>
+              <a:rPr lang="en-GB" sz="1200" dirty="0" smtClean="0"/>
+              <a:t>Prerequisites: authenticated password</a:t>
+            </a:r>
+          </a:p>
+          <a:p>
+            <a:r>
+              <a:rPr lang="en-GB" sz="1200" dirty="0" smtClean="0"/>
+              <a:t>Parameters: New </a:t>
+            </a:r>
+            <a:r>
+              <a:rPr lang="en-GB" sz="1200" dirty="0" err="1" smtClean="0"/>
+              <a:t>PasswordHash</a:t>
+            </a:r>
+            <a:endParaRPr lang="en-GB" sz="1200" dirty="0" smtClean="0"/>
+          </a:p>
+          <a:p>
+            <a:r>
+              <a:rPr lang="en-GB" sz="1200" dirty="0" smtClean="0"/>
+              <a:t>Response: none</a:t>
+            </a:r>
+          </a:p>
+          <a:p>
+            <a:endParaRPr lang="en-GB" sz="1200" dirty="0" smtClean="0"/>
+          </a:p>
+          <a:p>
+            <a:r>
+              <a:rPr lang="en-GB" sz="1000" dirty="0" smtClean="0"/>
+              <a:t>Call to change the password for the logged on user. A non-error response indicates success.</a:t>
+            </a:r>
+            <a:endParaRPr lang="en-GB" sz="1000" dirty="0"/>
+          </a:p>
+        </p:txBody>
+      </p:sp>
+      <p:sp>
+        <p:nvSpPr>
+          <p:cNvPr id="6" name="TextBox 5"/>
+          <p:cNvSpPr txBox="1"/>
+          <p:nvPr/>
+        </p:nvSpPr>
+        <p:spPr>
+          <a:xfrm>
+            <a:off x="238897" y="255373"/>
+            <a:ext cx="4173712" cy="2215991"/>
+          </a:xfrm>
+          <a:prstGeom prst="rect">
+            <a:avLst/>
+          </a:prstGeom>
+          <a:noFill/>
+        </p:spPr>
+        <p:txBody>
+          <a:bodyPr wrap="square" rtlCol="0">
+            <a:spAutoFit/>
+          </a:bodyPr>
+          <a:lstStyle/>
+          <a:p>
+            <a:r>
+              <a:rPr lang="en-GB" dirty="0"/>
+              <a:t>/</a:t>
+            </a:r>
+            <a:r>
+              <a:rPr lang="en-GB" dirty="0" err="1" smtClean="0"/>
+              <a:t>authenticatePassword</a:t>
+            </a:r>
+            <a:endParaRPr lang="en-GB" dirty="0" smtClean="0"/>
+          </a:p>
+          <a:p>
+            <a:r>
+              <a:rPr lang="en-GB" sz="1200" dirty="0" smtClean="0"/>
+              <a:t>Prerequisites: none</a:t>
+            </a:r>
+          </a:p>
+          <a:p>
+            <a:r>
+              <a:rPr lang="en-GB" sz="1200" dirty="0" smtClean="0"/>
+              <a:t>Parameters: JSON of Email and </a:t>
+            </a:r>
+            <a:r>
+              <a:rPr lang="en-GB" sz="1200" dirty="0" err="1" smtClean="0"/>
+              <a:t>PasswordHash</a:t>
+            </a:r>
+            <a:endParaRPr lang="en-GB" sz="1200" dirty="0" smtClean="0"/>
+          </a:p>
+          <a:p>
+            <a:r>
+              <a:rPr lang="en-GB" sz="1200" dirty="0" smtClean="0"/>
+              <a:t>Response: JSON of a Person and one or more Organisation records.</a:t>
+            </a:r>
+          </a:p>
+          <a:p>
+            <a:endParaRPr lang="en-GB" sz="1200" dirty="0" smtClean="0"/>
+          </a:p>
+          <a:p>
+            <a:r>
+              <a:rPr lang="en-GB" sz="1000" dirty="0" smtClean="0"/>
+              <a:t>First call, used by a user to authenticate themselves. If the email and password hash match a record in the Person table then that Person record and will be returned along with all the Organisations that the Person has access to. Expectation is that the </a:t>
+            </a:r>
+            <a:r>
+              <a:rPr lang="en-GB" sz="1000" dirty="0" err="1" smtClean="0"/>
+              <a:t>webapp</a:t>
+            </a:r>
+            <a:r>
+              <a:rPr lang="en-GB" sz="1000" dirty="0" smtClean="0"/>
+              <a:t> looks at the organisations returned. If multiple organisations are returned, then the user is presented with a selector to choose the organisation they want to log on to.</a:t>
+            </a:r>
+            <a:endParaRPr lang="en-GB" sz="1000" dirty="0"/>
+          </a:p>
+        </p:txBody>
+      </p:sp>
+      <p:sp>
+        <p:nvSpPr>
+          <p:cNvPr id="7" name="TextBox 6"/>
+          <p:cNvSpPr txBox="1"/>
+          <p:nvPr/>
+        </p:nvSpPr>
+        <p:spPr>
+          <a:xfrm>
+            <a:off x="4720016" y="4232295"/>
+            <a:ext cx="4173712" cy="1261884"/>
+          </a:xfrm>
+          <a:prstGeom prst="rect">
+            <a:avLst/>
+          </a:prstGeom>
+          <a:noFill/>
+        </p:spPr>
+        <p:txBody>
+          <a:bodyPr wrap="square" rtlCol="0">
+            <a:spAutoFit/>
+          </a:bodyPr>
+          <a:lstStyle/>
+          <a:p>
+            <a:r>
+              <a:rPr lang="en-GB" dirty="0" smtClean="0"/>
+              <a:t>/</a:t>
+            </a:r>
+            <a:r>
+              <a:rPr lang="en-GB" dirty="0" err="1" smtClean="0"/>
+              <a:t>resendInviteEmail</a:t>
+            </a:r>
+            <a:endParaRPr lang="en-GB" dirty="0" smtClean="0"/>
+          </a:p>
+          <a:p>
+            <a:r>
+              <a:rPr lang="en-GB" sz="1200" dirty="0" smtClean="0"/>
+              <a:t>Prerequisites: authenticated password and admin permission</a:t>
+            </a:r>
+          </a:p>
+          <a:p>
+            <a:r>
+              <a:rPr lang="en-GB" sz="1200" dirty="0" smtClean="0"/>
+              <a:t>Parameters: email address of person to re-invite</a:t>
+            </a:r>
+          </a:p>
+          <a:p>
+            <a:r>
+              <a:rPr lang="en-GB" sz="1200" dirty="0" smtClean="0"/>
+              <a:t>Response: none</a:t>
+            </a:r>
+          </a:p>
+          <a:p>
+            <a:endParaRPr lang="en-GB" sz="1200" dirty="0" smtClean="0"/>
+          </a:p>
+          <a:p>
+            <a:r>
+              <a:rPr lang="en-GB" sz="1000" dirty="0" smtClean="0"/>
+              <a:t>Call to resend the invite email for the given Person.</a:t>
+            </a:r>
+            <a:endParaRPr lang="en-GB" sz="1000" dirty="0"/>
+          </a:p>
+        </p:txBody>
+      </p:sp>
+    </p:spTree>
+    <p:extLst>
+      <p:ext uri="{BB962C8B-B14F-4D97-AF65-F5344CB8AC3E}">
+        <p14:creationId xmlns:p14="http://schemas.microsoft.com/office/powerpoint/2010/main" val="3129186310"/>
+      </p:ext>
+    </p:extLst>
+  </p:cSld>
+  <p:clrMapOvr>
+    <a:masterClrMapping/>
+  </p:clrMapOvr>
+</p:sld>
+</file>
+
+<file path=ppt/slides/slide5.xml><?xml version="1.0" encoding="utf-8"?>
+<p:sld xmlns:a="http://schemas.openxmlformats.org/drawingml/2006/main" xmlns:r="http://schemas.openxmlformats.org/officeDocument/2006/relationships" xmlns:p="http://schemas.openxmlformats.org/presentationml/2006/main">
+  <p:cSld>
+    <p:spTree>
+      <p:nvGrpSpPr>
+        <p:cNvPr id="1" name=""/>
+        <p:cNvGrpSpPr/>
+        <p:nvPr/>
+      </p:nvGrpSpPr>
+      <p:grpSpPr>
+        <a:xfrm>
+          <a:off x="0" y="0"/>
+          <a:ext cx="0" cy="0"/>
+          <a:chOff x="0" y="0"/>
+          <a:chExt cx="0" cy="0"/>
+        </a:xfrm>
+      </p:grpSpPr>
+      <p:sp>
+        <p:nvSpPr>
+          <p:cNvPr id="2" name="TextBox 1"/>
+          <p:cNvSpPr txBox="1"/>
+          <p:nvPr/>
+        </p:nvSpPr>
+        <p:spPr>
+          <a:xfrm>
+            <a:off x="4720016" y="1782169"/>
+            <a:ext cx="4173712" cy="1569660"/>
+          </a:xfrm>
+          <a:prstGeom prst="rect">
+            <a:avLst/>
+          </a:prstGeom>
+          <a:noFill/>
+        </p:spPr>
+        <p:txBody>
+          <a:bodyPr wrap="square" rtlCol="0">
+            <a:spAutoFit/>
+          </a:bodyPr>
+          <a:lstStyle/>
+          <a:p>
+            <a:r>
+              <a:rPr lang="en-GB" dirty="0" smtClean="0"/>
+              <a:t>/</a:t>
+            </a:r>
+            <a:r>
+              <a:rPr lang="en-GB" dirty="0" err="1" smtClean="0"/>
+              <a:t>getFolders</a:t>
+            </a:r>
+            <a:endParaRPr lang="en-GB" dirty="0" smtClean="0"/>
+          </a:p>
+          <a:p>
+            <a:r>
+              <a:rPr lang="en-GB" sz="1200" dirty="0" smtClean="0"/>
+              <a:t>Prerequisites: authenticated password</a:t>
+            </a:r>
+          </a:p>
+          <a:p>
+            <a:r>
+              <a:rPr lang="en-GB" sz="1200" dirty="0" smtClean="0"/>
+              <a:t>Parameters: none</a:t>
+            </a:r>
+          </a:p>
+          <a:p>
+            <a:r>
+              <a:rPr lang="en-GB" sz="1200" dirty="0" smtClean="0"/>
+              <a:t>Response: </a:t>
+            </a:r>
+            <a:r>
+              <a:rPr lang="en-GB" sz="1200" dirty="0"/>
+              <a:t>JSON of all folders with count of items in each one</a:t>
+            </a:r>
+          </a:p>
+          <a:p>
+            <a:endParaRPr lang="en-GB" sz="1200" dirty="0" smtClean="0"/>
+          </a:p>
+          <a:p>
+            <a:r>
+              <a:rPr lang="en-GB" sz="1000" dirty="0" smtClean="0"/>
+              <a:t>Returns all folders at the currently selected organisation. Child folder records will have a </a:t>
+            </a:r>
+            <a:r>
+              <a:rPr lang="en-GB" sz="1000" dirty="0" err="1" smtClean="0"/>
+              <a:t>ParentUuid</a:t>
+            </a:r>
+            <a:r>
+              <a:rPr lang="en-GB" sz="1000" dirty="0" smtClean="0"/>
+              <a:t> attribute, allowing the hierarchy to be easily constructed.</a:t>
+            </a:r>
+            <a:endParaRPr lang="en-GB" sz="1200" dirty="0" smtClean="0"/>
+          </a:p>
+        </p:txBody>
+      </p:sp>
+      <p:sp>
+        <p:nvSpPr>
+          <p:cNvPr id="3" name="TextBox 2"/>
+          <p:cNvSpPr txBox="1"/>
+          <p:nvPr/>
+        </p:nvSpPr>
+        <p:spPr>
+          <a:xfrm>
+            <a:off x="238897" y="1908004"/>
+            <a:ext cx="4173712" cy="1600438"/>
+          </a:xfrm>
+          <a:prstGeom prst="rect">
+            <a:avLst/>
+          </a:prstGeom>
+          <a:noFill/>
+        </p:spPr>
+        <p:txBody>
+          <a:bodyPr wrap="square" rtlCol="0">
+            <a:spAutoFit/>
+          </a:bodyPr>
+          <a:lstStyle/>
+          <a:p>
+            <a:r>
+              <a:rPr lang="en-GB" dirty="0" smtClean="0"/>
+              <a:t>/</a:t>
+            </a:r>
+            <a:r>
+              <a:rPr lang="en-GB" dirty="0" err="1" smtClean="0"/>
+              <a:t>createFolder</a:t>
+            </a:r>
+            <a:endParaRPr lang="en-GB" dirty="0" smtClean="0"/>
+          </a:p>
+          <a:p>
+            <a:r>
+              <a:rPr lang="en-GB" sz="1200" dirty="0" smtClean="0"/>
+              <a:t>Prerequisites: authenticated password</a:t>
+            </a:r>
+          </a:p>
+          <a:p>
+            <a:r>
+              <a:rPr lang="en-GB" sz="1200" dirty="0" smtClean="0"/>
+              <a:t>Parameters: New folder name and optional Uuid of parent folder</a:t>
+            </a:r>
+          </a:p>
+          <a:p>
+            <a:r>
+              <a:rPr lang="en-GB" sz="1200" dirty="0" smtClean="0"/>
+              <a:t>Response: none</a:t>
+            </a:r>
+          </a:p>
+          <a:p>
+            <a:endParaRPr lang="en-GB" sz="1200" dirty="0" smtClean="0"/>
+          </a:p>
+          <a:p>
+            <a:r>
+              <a:rPr lang="en-GB" sz="1000" dirty="0" smtClean="0"/>
+              <a:t>Call to create a new folder for queries to go in. If a folder for the same name and parent Uuid exists, an error response will be raised.</a:t>
+            </a:r>
+            <a:endParaRPr lang="en-GB" sz="1000" dirty="0"/>
+          </a:p>
+        </p:txBody>
+      </p:sp>
+      <p:sp>
+        <p:nvSpPr>
+          <p:cNvPr id="4" name="TextBox 3"/>
+          <p:cNvSpPr txBox="1"/>
+          <p:nvPr/>
+        </p:nvSpPr>
+        <p:spPr>
+          <a:xfrm>
+            <a:off x="238897" y="3591413"/>
+            <a:ext cx="4173712" cy="1415772"/>
+          </a:xfrm>
+          <a:prstGeom prst="rect">
+            <a:avLst/>
+          </a:prstGeom>
+          <a:noFill/>
+        </p:spPr>
+        <p:txBody>
+          <a:bodyPr wrap="square" rtlCol="0">
+            <a:spAutoFit/>
+          </a:bodyPr>
+          <a:lstStyle/>
+          <a:p>
+            <a:r>
+              <a:rPr lang="en-GB" dirty="0" smtClean="0"/>
+              <a:t>/</a:t>
+            </a:r>
+            <a:r>
+              <a:rPr lang="en-GB" dirty="0" err="1" smtClean="0"/>
+              <a:t>renameFolder</a:t>
+            </a:r>
+            <a:endParaRPr lang="en-GB" dirty="0" smtClean="0"/>
+          </a:p>
+          <a:p>
+            <a:r>
+              <a:rPr lang="en-GB" sz="1200" dirty="0"/>
+              <a:t>Prerequisites: </a:t>
+            </a:r>
+            <a:r>
+              <a:rPr lang="en-GB" sz="1200" dirty="0" smtClean="0"/>
+              <a:t>authenticated password</a:t>
+            </a:r>
+            <a:endParaRPr lang="en-GB" sz="1200" dirty="0"/>
+          </a:p>
+          <a:p>
+            <a:r>
+              <a:rPr lang="en-GB" sz="1200" dirty="0" smtClean="0"/>
+              <a:t>Parameters: New folder name and Uuid of that folder</a:t>
+            </a:r>
+          </a:p>
+          <a:p>
+            <a:r>
+              <a:rPr lang="en-GB" sz="1200" dirty="0" smtClean="0"/>
+              <a:t>Response: none</a:t>
+            </a:r>
+          </a:p>
+          <a:p>
+            <a:endParaRPr lang="en-GB" sz="1200" dirty="0" smtClean="0"/>
+          </a:p>
+          <a:p>
+            <a:r>
+              <a:rPr lang="en-GB" sz="1000" dirty="0" smtClean="0"/>
+              <a:t>Renames a folder. If a duplicate folder at the same level is found, an error is raised.</a:t>
+            </a:r>
+            <a:endParaRPr lang="en-GB" sz="1000" dirty="0"/>
+          </a:p>
+        </p:txBody>
+      </p:sp>
+      <p:sp>
+        <p:nvSpPr>
+          <p:cNvPr id="5" name="TextBox 4"/>
+          <p:cNvSpPr txBox="1"/>
+          <p:nvPr/>
+        </p:nvSpPr>
+        <p:spPr>
+          <a:xfrm>
+            <a:off x="238897" y="5090156"/>
+            <a:ext cx="4173712" cy="1446550"/>
+          </a:xfrm>
+          <a:prstGeom prst="rect">
+            <a:avLst/>
+          </a:prstGeom>
+          <a:noFill/>
+        </p:spPr>
+        <p:txBody>
+          <a:bodyPr wrap="square" rtlCol="0">
+            <a:spAutoFit/>
+          </a:bodyPr>
+          <a:lstStyle/>
+          <a:p>
+            <a:r>
+              <a:rPr lang="en-GB" dirty="0" smtClean="0"/>
+              <a:t>/</a:t>
+            </a:r>
+            <a:r>
+              <a:rPr lang="en-GB" dirty="0" err="1" smtClean="0"/>
+              <a:t>moveFolder</a:t>
+            </a:r>
+            <a:endParaRPr lang="en-GB" dirty="0" smtClean="0"/>
+          </a:p>
+          <a:p>
+            <a:r>
+              <a:rPr lang="en-GB" sz="1200" dirty="0" smtClean="0"/>
+              <a:t>Prerequisites: authenticated password</a:t>
+            </a:r>
+          </a:p>
+          <a:p>
+            <a:r>
+              <a:rPr lang="en-GB" sz="1200" dirty="0" smtClean="0"/>
+              <a:t>Parameters: Uuid of new parent folder (or none if moving to top level)</a:t>
+            </a:r>
+          </a:p>
+          <a:p>
+            <a:r>
+              <a:rPr lang="en-GB" sz="1200" dirty="0" smtClean="0"/>
+              <a:t>Response: none</a:t>
+            </a:r>
+          </a:p>
+          <a:p>
+            <a:endParaRPr lang="en-GB" sz="1200" dirty="0" smtClean="0"/>
+          </a:p>
+          <a:p>
+            <a:r>
+              <a:rPr lang="en-GB" sz="1000" dirty="0" smtClean="0"/>
+              <a:t>Moves a folder. If the move would result in a duplicate, an error is raised.</a:t>
+            </a:r>
+            <a:endParaRPr lang="en-GB" sz="1000" dirty="0"/>
+          </a:p>
+        </p:txBody>
+      </p:sp>
+      <p:sp>
+        <p:nvSpPr>
+          <p:cNvPr id="6" name="TextBox 5"/>
+          <p:cNvSpPr txBox="1"/>
+          <p:nvPr/>
+        </p:nvSpPr>
+        <p:spPr>
+          <a:xfrm>
+            <a:off x="238897" y="255373"/>
+            <a:ext cx="4173712" cy="1569660"/>
+          </a:xfrm>
+          <a:prstGeom prst="rect">
+            <a:avLst/>
+          </a:prstGeom>
+          <a:noFill/>
+        </p:spPr>
+        <p:txBody>
+          <a:bodyPr wrap="square" rtlCol="0">
+            <a:spAutoFit/>
+          </a:bodyPr>
+          <a:lstStyle/>
+          <a:p>
+            <a:r>
+              <a:rPr lang="en-GB" dirty="0" smtClean="0"/>
+              <a:t>/</a:t>
+            </a:r>
+            <a:r>
+              <a:rPr lang="en-GB" dirty="0" err="1" smtClean="0"/>
+              <a:t>deletePerson</a:t>
+            </a:r>
+            <a:endParaRPr lang="en-GB" dirty="0" smtClean="0"/>
+          </a:p>
+          <a:p>
+            <a:r>
+              <a:rPr lang="en-GB" sz="1200" dirty="0" smtClean="0"/>
+              <a:t>Prerequisites: </a:t>
+            </a:r>
+            <a:r>
+              <a:rPr lang="en-GB" sz="1200" dirty="0"/>
+              <a:t>authenticated </a:t>
+            </a:r>
+            <a:r>
+              <a:rPr lang="en-GB" sz="1200" dirty="0" smtClean="0"/>
+              <a:t>password and admin permissions</a:t>
+            </a:r>
+            <a:endParaRPr lang="en-GB" sz="1200" dirty="0"/>
+          </a:p>
+          <a:p>
+            <a:r>
+              <a:rPr lang="en-GB" sz="1200" dirty="0" smtClean="0"/>
+              <a:t>Parameters: email address of </a:t>
+            </a:r>
+            <a:r>
+              <a:rPr lang="en-GB" sz="1200" dirty="0"/>
+              <a:t>P</a:t>
+            </a:r>
+            <a:r>
+              <a:rPr lang="en-GB" sz="1200" dirty="0" smtClean="0"/>
+              <a:t>erson </a:t>
+            </a:r>
+          </a:p>
+          <a:p>
+            <a:r>
+              <a:rPr lang="en-GB" sz="1200" dirty="0" smtClean="0"/>
+              <a:t>Response: none</a:t>
+            </a:r>
+          </a:p>
+          <a:p>
+            <a:endParaRPr lang="en-GB" sz="1200" dirty="0" smtClean="0"/>
+          </a:p>
+          <a:p>
+            <a:r>
+              <a:rPr lang="en-GB" sz="1000" dirty="0" smtClean="0"/>
+              <a:t>Call to used by an admin to delete a person from their organisation, preventing them logging on. If a user attempts to delete themselves, an error is raised in response.</a:t>
+            </a:r>
+            <a:endParaRPr lang="en-GB" sz="1000" dirty="0"/>
+          </a:p>
+        </p:txBody>
+      </p:sp>
+      <p:sp>
+        <p:nvSpPr>
+          <p:cNvPr id="8" name="TextBox 7"/>
+          <p:cNvSpPr txBox="1"/>
+          <p:nvPr/>
+        </p:nvSpPr>
+        <p:spPr>
+          <a:xfrm>
+            <a:off x="4720016" y="255373"/>
+            <a:ext cx="4173712" cy="1415772"/>
+          </a:xfrm>
+          <a:prstGeom prst="rect">
+            <a:avLst/>
+          </a:prstGeom>
+          <a:noFill/>
+        </p:spPr>
+        <p:txBody>
+          <a:bodyPr wrap="square" rtlCol="0">
+            <a:spAutoFit/>
+          </a:bodyPr>
+          <a:lstStyle/>
+          <a:p>
+            <a:r>
+              <a:rPr lang="en-GB" dirty="0" smtClean="0"/>
+              <a:t>/</a:t>
+            </a:r>
+            <a:r>
+              <a:rPr lang="en-GB" dirty="0" err="1" smtClean="0"/>
+              <a:t>deleteFolder</a:t>
+            </a:r>
+            <a:endParaRPr lang="en-GB" dirty="0" smtClean="0"/>
+          </a:p>
+          <a:p>
+            <a:r>
+              <a:rPr lang="en-GB" sz="1200" dirty="0" smtClean="0"/>
+              <a:t>Prerequisites: authenticated password</a:t>
+            </a:r>
+          </a:p>
+          <a:p>
+            <a:r>
+              <a:rPr lang="en-GB" sz="1200" dirty="0" smtClean="0"/>
+              <a:t>Parameters: Uuid of folder</a:t>
+            </a:r>
+          </a:p>
+          <a:p>
+            <a:r>
+              <a:rPr lang="en-GB" sz="1200" dirty="0" smtClean="0"/>
+              <a:t>Response: none</a:t>
+            </a:r>
+          </a:p>
+          <a:p>
+            <a:endParaRPr lang="en-GB" sz="1200" dirty="0" smtClean="0"/>
+          </a:p>
+          <a:p>
+            <a:r>
+              <a:rPr lang="en-GB" sz="1000" dirty="0" smtClean="0"/>
+              <a:t>Deletes a folder and all items in it. Would assume the </a:t>
+            </a:r>
+            <a:r>
+              <a:rPr lang="en-GB" sz="1000" dirty="0" err="1" smtClean="0"/>
+              <a:t>webapp</a:t>
+            </a:r>
+            <a:r>
+              <a:rPr lang="en-GB" sz="1000" dirty="0" smtClean="0"/>
+              <a:t> will get the user to confirm this for non-empty folders.</a:t>
+            </a:r>
+            <a:endParaRPr lang="en-GB" sz="1000" dirty="0"/>
+          </a:p>
+        </p:txBody>
+      </p:sp>
+    </p:spTree>
+    <p:extLst>
+      <p:ext uri="{BB962C8B-B14F-4D97-AF65-F5344CB8AC3E}">
+        <p14:creationId xmlns:p14="http://schemas.microsoft.com/office/powerpoint/2010/main" val="2990153176"/>
       </p:ext>
     </p:extLst>
   </p:cSld>

--- a/Documents/Administration Schema ERD.pptx
+++ b/Documents/Administration Schema ERD.pptx
@@ -247,7 +247,7 @@
           <a:p>
             <a:fld id="{6B763B27-ABB2-441F-B869-D878362298D3}" type="datetimeFigureOut">
               <a:rPr lang="en-GB" smtClean="0"/>
-              <a:t>16/02/2016</a:t>
+              <a:t>17/02/2016</a:t>
             </a:fld>
             <a:endParaRPr lang="en-GB"/>
           </a:p>
@@ -417,7 +417,7 @@
           <a:p>
             <a:fld id="{6B763B27-ABB2-441F-B869-D878362298D3}" type="datetimeFigureOut">
               <a:rPr lang="en-GB" smtClean="0"/>
-              <a:t>16/02/2016</a:t>
+              <a:t>17/02/2016</a:t>
             </a:fld>
             <a:endParaRPr lang="en-GB"/>
           </a:p>
@@ -597,7 +597,7 @@
           <a:p>
             <a:fld id="{6B763B27-ABB2-441F-B869-D878362298D3}" type="datetimeFigureOut">
               <a:rPr lang="en-GB" smtClean="0"/>
-              <a:t>16/02/2016</a:t>
+              <a:t>17/02/2016</a:t>
             </a:fld>
             <a:endParaRPr lang="en-GB"/>
           </a:p>
@@ -767,7 +767,7 @@
           <a:p>
             <a:fld id="{6B763B27-ABB2-441F-B869-D878362298D3}" type="datetimeFigureOut">
               <a:rPr lang="en-GB" smtClean="0"/>
-              <a:t>16/02/2016</a:t>
+              <a:t>17/02/2016</a:t>
             </a:fld>
             <a:endParaRPr lang="en-GB"/>
           </a:p>
@@ -1013,7 +1013,7 @@
           <a:p>
             <a:fld id="{6B763B27-ABB2-441F-B869-D878362298D3}" type="datetimeFigureOut">
               <a:rPr lang="en-GB" smtClean="0"/>
-              <a:t>16/02/2016</a:t>
+              <a:t>17/02/2016</a:t>
             </a:fld>
             <a:endParaRPr lang="en-GB"/>
           </a:p>
@@ -1245,7 +1245,7 @@
           <a:p>
             <a:fld id="{6B763B27-ABB2-441F-B869-D878362298D3}" type="datetimeFigureOut">
               <a:rPr lang="en-GB" smtClean="0"/>
-              <a:t>16/02/2016</a:t>
+              <a:t>17/02/2016</a:t>
             </a:fld>
             <a:endParaRPr lang="en-GB"/>
           </a:p>
@@ -1612,7 +1612,7 @@
           <a:p>
             <a:fld id="{6B763B27-ABB2-441F-B869-D878362298D3}" type="datetimeFigureOut">
               <a:rPr lang="en-GB" smtClean="0"/>
-              <a:t>16/02/2016</a:t>
+              <a:t>17/02/2016</a:t>
             </a:fld>
             <a:endParaRPr lang="en-GB"/>
           </a:p>
@@ -1730,7 +1730,7 @@
           <a:p>
             <a:fld id="{6B763B27-ABB2-441F-B869-D878362298D3}" type="datetimeFigureOut">
               <a:rPr lang="en-GB" smtClean="0"/>
-              <a:t>16/02/2016</a:t>
+              <a:t>17/02/2016</a:t>
             </a:fld>
             <a:endParaRPr lang="en-GB"/>
           </a:p>
@@ -1825,7 +1825,7 @@
           <a:p>
             <a:fld id="{6B763B27-ABB2-441F-B869-D878362298D3}" type="datetimeFigureOut">
               <a:rPr lang="en-GB" smtClean="0"/>
-              <a:t>16/02/2016</a:t>
+              <a:t>17/02/2016</a:t>
             </a:fld>
             <a:endParaRPr lang="en-GB"/>
           </a:p>
@@ -2102,7 +2102,7 @@
           <a:p>
             <a:fld id="{6B763B27-ABB2-441F-B869-D878362298D3}" type="datetimeFigureOut">
               <a:rPr lang="en-GB" smtClean="0"/>
-              <a:t>16/02/2016</a:t>
+              <a:t>17/02/2016</a:t>
             </a:fld>
             <a:endParaRPr lang="en-GB"/>
           </a:p>
@@ -2355,7 +2355,7 @@
           <a:p>
             <a:fld id="{6B763B27-ABB2-441F-B869-D878362298D3}" type="datetimeFigureOut">
               <a:rPr lang="en-GB" smtClean="0"/>
-              <a:t>16/02/2016</a:t>
+              <a:t>17/02/2016</a:t>
             </a:fld>
             <a:endParaRPr lang="en-GB"/>
           </a:p>
@@ -2568,7 +2568,7 @@
           <a:p>
             <a:fld id="{6B763B27-ABB2-441F-B869-D878362298D3}" type="datetimeFigureOut">
               <a:rPr lang="en-GB" smtClean="0"/>
-              <a:t>16/02/2016</a:t>
+              <a:t>17/02/2016</a:t>
             </a:fld>
             <a:endParaRPr lang="en-GB"/>
           </a:p>
@@ -3190,11 +3190,7 @@
           <a:p>
             <a:r>
               <a:rPr lang="en-GB" sz="1100" dirty="0" smtClean="0"/>
-              <a:t>Email (varchar 255</a:t>
-            </a:r>
-            <a:r>
-              <a:rPr lang="en-GB" sz="1100" dirty="0" smtClean="0"/>
-              <a:t>)</a:t>
+              <a:t>Email (varchar 255)</a:t>
             </a:r>
           </a:p>
           <a:p>
@@ -3206,7 +3202,6 @@
               <a:rPr lang="en-GB" sz="1100" dirty="0" smtClean="0"/>
               <a:t> (bit) **</a:t>
             </a:r>
-            <a:endParaRPr lang="en-GB" sz="1100" dirty="0" smtClean="0"/>
           </a:p>
           <a:p>
             <a:endParaRPr lang="en-GB" sz="1100" dirty="0"/>
@@ -3214,11 +3209,7 @@
           <a:p>
             <a:r>
               <a:rPr lang="en-GB" sz="800" dirty="0" smtClean="0"/>
-              <a:t>*Avoiding name “User”, as this is a SQL </a:t>
-            </a:r>
-            <a:r>
-              <a:rPr lang="en-GB" sz="800" dirty="0" smtClean="0"/>
-              <a:t>keyword</a:t>
+              <a:t>*Avoiding name “User”, as this is a SQL keyword</a:t>
             </a:r>
           </a:p>
           <a:p>
@@ -3237,7 +3228,6 @@
               <a:rPr lang="en-GB" sz="800" dirty="0" smtClean="0"/>
               <a:t> status is separate from normal permissions, as this is an attribute of the entire person, not just their access at a specific organisation</a:t>
             </a:r>
-            <a:endParaRPr lang="en-GB" sz="800" dirty="0" smtClean="0"/>
           </a:p>
           <a:p>
             <a:endParaRPr lang="en-GB" sz="1100" dirty="0" smtClean="0"/>
@@ -3935,7 +3925,7 @@
         <p:spPr>
           <a:xfrm>
             <a:off x="741405" y="708454"/>
-            <a:ext cx="9737125" cy="3016210"/>
+            <a:ext cx="9737125" cy="3877985"/>
           </a:xfrm>
           <a:prstGeom prst="rect">
             <a:avLst/>
@@ -4038,11 +4028,7 @@
             </a:pPr>
             <a:r>
               <a:rPr lang="en-GB" sz="1400" dirty="0" smtClean="0"/>
-              <a:t>Do we need an audit of logon activity</a:t>
-            </a:r>
-            <a:r>
-              <a:rPr lang="en-GB" sz="1400" dirty="0" smtClean="0"/>
-              <a:t>?</a:t>
+              <a:t>Do we need an audit of logon activity?</a:t>
             </a:r>
           </a:p>
           <a:p>
@@ -4051,9 +4037,67 @@
             </a:pPr>
             <a:r>
               <a:rPr lang="en-GB" sz="1400" strike="sngStrike" dirty="0" smtClean="0"/>
-              <a:t>Need ability to suspend or delete users?</a:t>
-            </a:r>
-            <a:endParaRPr lang="en-GB" sz="1400" strike="sngStrike" dirty="0" smtClean="0"/>
+              <a:t>Need ability to suspend or delete users</a:t>
+            </a:r>
+            <a:r>
+              <a:rPr lang="en-GB" sz="1400" strike="sngStrike" dirty="0" smtClean="0"/>
+              <a:t>?</a:t>
+            </a:r>
+          </a:p>
+          <a:p>
+            <a:pPr marL="342900" indent="-342900">
+              <a:buAutoNum type="arabicParenR"/>
+            </a:pPr>
+            <a:r>
+              <a:rPr lang="en-GB" sz="1400" dirty="0" smtClean="0"/>
+              <a:t>Don’t bother using the </a:t>
+            </a:r>
+            <a:r>
+              <a:rPr lang="en-GB" sz="1400" dirty="0" err="1" smtClean="0"/>
+              <a:t>ForeignKey</a:t>
+            </a:r>
+            <a:r>
+              <a:rPr lang="en-GB" sz="1400" dirty="0" smtClean="0"/>
+              <a:t> constraint in SQL. It makes managing the DB harder when changes need to be made.</a:t>
+            </a:r>
+            <a:endParaRPr lang="en-GB" sz="1400" dirty="0" smtClean="0"/>
+          </a:p>
+          <a:p>
+            <a:pPr marL="342900" indent="-342900">
+              <a:buAutoNum type="arabicParenR"/>
+            </a:pPr>
+            <a:r>
+              <a:rPr lang="en-GB" sz="1400" dirty="0" smtClean="0"/>
+              <a:t>Avoid allowing nulls in columns if possible, as there’s extra overhead that’s rarely required, except with </a:t>
+            </a:r>
+            <a:r>
+              <a:rPr lang="en-GB" sz="1400" dirty="0" err="1" smtClean="0"/>
+              <a:t>UniqueIdentifiers</a:t>
+            </a:r>
+            <a:endParaRPr lang="en-GB" sz="1400" dirty="0" smtClean="0"/>
+          </a:p>
+          <a:p>
+            <a:pPr marL="342900" indent="-342900">
+              <a:buAutoNum type="arabicParenR"/>
+            </a:pPr>
+            <a:r>
+              <a:rPr lang="en-GB" sz="1400" dirty="0" smtClean="0"/>
+              <a:t>With varchar columns, there’s no point having columns less than varchar(255)</a:t>
+            </a:r>
+          </a:p>
+          <a:p>
+            <a:pPr marL="342900" indent="-342900">
+              <a:buAutoNum type="arabicParenR"/>
+            </a:pPr>
+            <a:r>
+              <a:rPr lang="en-GB" sz="1400" dirty="0" smtClean="0"/>
+              <a:t>Tables currently have </a:t>
+            </a:r>
+            <a:r>
+              <a:rPr lang="en-GB" sz="1400" smtClean="0"/>
+              <a:t>no indexes</a:t>
+            </a:r>
+            <a:endParaRPr lang="en-GB" sz="1400" dirty="0" smtClean="0"/>
           </a:p>
           <a:p>
             <a:pPr marL="342900" indent="-342900">
@@ -4438,8 +4482,8 @@
               <a:t>Parameters: JSON of Email and </a:t>
             </a:r>
             <a:r>
-              <a:rPr lang="en-GB" sz="1200" dirty="0" err="1" smtClean="0"/>
-              <a:t>PasswordHash</a:t>
+              <a:rPr lang="en-GB" sz="1200" dirty="0" smtClean="0"/>
+              <a:t>Password</a:t>
             </a:r>
             <a:endParaRPr lang="en-GB" sz="1200" dirty="0" smtClean="0"/>
           </a:p>
@@ -4455,7 +4499,15 @@
           <a:p>
             <a:r>
               <a:rPr lang="en-GB" sz="1000" dirty="0" smtClean="0"/>
-              <a:t>First call, used by a user to authenticate themselves. If the email and password hash match a record in the Person table then that Person record and will be returned along with all the Organisations that the Person has access to. Expectation is that the </a:t>
+              <a:t>First call, used by a user to authenticate themselves. If the email and </a:t>
+            </a:r>
+            <a:r>
+              <a:rPr lang="en-GB" sz="1000" dirty="0" smtClean="0"/>
+              <a:t>password match </a:t>
+            </a:r>
+            <a:r>
+              <a:rPr lang="en-GB" sz="1000" dirty="0" smtClean="0"/>
+              <a:t>a record in the Person table then that Person record and will be returned along with all the Organisations that the Person has access to. Expectation is that the </a:t>
             </a:r>
             <a:r>
               <a:rPr lang="en-GB" sz="1000" dirty="0" err="1" smtClean="0"/>
@@ -4644,7 +4696,7 @@
         <p:spPr>
           <a:xfrm>
             <a:off x="238897" y="1908004"/>
-            <a:ext cx="4173712" cy="1600438"/>
+            <a:ext cx="4173712" cy="1969770"/>
           </a:xfrm>
           <a:prstGeom prst="rect">
             <a:avLst/>
@@ -4658,8 +4710,12 @@
           <a:lstStyle/>
           <a:p>
             <a:r>
+              <a:rPr lang="en-GB" dirty="0" err="1" smtClean="0"/>
+              <a:t>api</a:t>
+            </a:r>
+            <a:r>
               <a:rPr lang="en-GB" dirty="0" smtClean="0"/>
-              <a:t>/</a:t>
+              <a:t>/folder/</a:t>
             </a:r>
             <a:r>
               <a:rPr lang="en-GB" dirty="0" err="1" smtClean="0"/>
@@ -4670,13 +4726,59 @@
           <a:p>
             <a:r>
               <a:rPr lang="en-GB" sz="1200" dirty="0" smtClean="0"/>
-              <a:t>Prerequisites: authenticated password</a:t>
-            </a:r>
-          </a:p>
-          <a:p>
-            <a:r>
-              <a:rPr lang="en-GB" sz="1200" dirty="0" smtClean="0"/>
-              <a:t>Parameters: New folder name and optional Uuid of parent folder</a:t>
+              <a:t>Prerequisites: authenticated </a:t>
+            </a:r>
+            <a:r>
+              <a:rPr lang="en-GB" sz="1200" dirty="0" smtClean="0"/>
+              <a:t>password</a:t>
+            </a:r>
+          </a:p>
+          <a:p>
+            <a:r>
+              <a:rPr lang="en-GB" sz="1200" dirty="0" smtClean="0"/>
+              <a:t>Method: POST</a:t>
+            </a:r>
+            <a:endParaRPr lang="en-GB" sz="1200" dirty="0" smtClean="0"/>
+          </a:p>
+          <a:p>
+            <a:r>
+              <a:rPr lang="en-GB" sz="1200" dirty="0" smtClean="0"/>
+              <a:t>Parameters: </a:t>
+            </a:r>
+            <a:r>
+              <a:rPr lang="en-GB" sz="1200" dirty="0"/>
+              <a:t>{"</a:t>
+            </a:r>
+            <a:r>
+              <a:rPr lang="en-GB" sz="1200" dirty="0" err="1"/>
+              <a:t>folderName</a:t>
+            </a:r>
+            <a:r>
+              <a:rPr lang="en-GB" sz="1200" dirty="0"/>
+              <a:t>": </a:t>
+            </a:r>
+            <a:r>
+              <a:rPr lang="en-GB" sz="1200" dirty="0" smtClean="0"/>
+              <a:t>&lt;new folder name&gt;, “</a:t>
+            </a:r>
+            <a:r>
+              <a:rPr lang="en-GB" sz="1200" dirty="0" err="1" smtClean="0"/>
+              <a:t>parentFolderUuid</a:t>
+            </a:r>
+            <a:r>
+              <a:rPr lang="en-GB" sz="1200" dirty="0" smtClean="0"/>
+              <a:t>”: &lt;optional parent folder&gt;}</a:t>
+            </a:r>
+            <a:endParaRPr lang="en-GB" sz="1200" dirty="0"/>
+          </a:p>
+          <a:p>
+            <a:r>
+              <a:rPr lang="en-GB" sz="1200" dirty="0" smtClean="0"/>
+              <a:t>New </a:t>
+            </a:r>
+            <a:r>
+              <a:rPr lang="en-GB" sz="1200" dirty="0" smtClean="0"/>
+              <a:t>folder name and optional Uuid of parent folder</a:t>
             </a:r>
           </a:p>
           <a:p>
@@ -4805,7 +4907,15 @@
           <a:p>
             <a:r>
               <a:rPr lang="en-GB" sz="1200" dirty="0" smtClean="0"/>
-              <a:t>Parameters: Uuid of new parent folder (or none if moving to top level)</a:t>
+              <a:t>Parameters: </a:t>
+            </a:r>
+            <a:r>
+              <a:rPr lang="en-GB" sz="1200" dirty="0" smtClean="0"/>
+              <a:t>Uuid of folder being moved and Uuid </a:t>
+            </a:r>
+            <a:r>
+              <a:rPr lang="en-GB" sz="1200" dirty="0" smtClean="0"/>
+              <a:t>of new parent folder (or none if moving to top level)</a:t>
             </a:r>
           </a:p>
           <a:p>

--- a/Documents/Administration Schema ERD.pptx
+++ b/Documents/Administration Schema ERD.pptx
@@ -247,7 +247,7 @@
           <a:p>
             <a:fld id="{6B763B27-ABB2-441F-B869-D878362298D3}" type="datetimeFigureOut">
               <a:rPr lang="en-GB" smtClean="0"/>
-              <a:t>17/02/2016</a:t>
+              <a:t>18/02/2016</a:t>
             </a:fld>
             <a:endParaRPr lang="en-GB"/>
           </a:p>
@@ -417,7 +417,7 @@
           <a:p>
             <a:fld id="{6B763B27-ABB2-441F-B869-D878362298D3}" type="datetimeFigureOut">
               <a:rPr lang="en-GB" smtClean="0"/>
-              <a:t>17/02/2016</a:t>
+              <a:t>18/02/2016</a:t>
             </a:fld>
             <a:endParaRPr lang="en-GB"/>
           </a:p>
@@ -597,7 +597,7 @@
           <a:p>
             <a:fld id="{6B763B27-ABB2-441F-B869-D878362298D3}" type="datetimeFigureOut">
               <a:rPr lang="en-GB" smtClean="0"/>
-              <a:t>17/02/2016</a:t>
+              <a:t>18/02/2016</a:t>
             </a:fld>
             <a:endParaRPr lang="en-GB"/>
           </a:p>
@@ -767,7 +767,7 @@
           <a:p>
             <a:fld id="{6B763B27-ABB2-441F-B869-D878362298D3}" type="datetimeFigureOut">
               <a:rPr lang="en-GB" smtClean="0"/>
-              <a:t>17/02/2016</a:t>
+              <a:t>18/02/2016</a:t>
             </a:fld>
             <a:endParaRPr lang="en-GB"/>
           </a:p>
@@ -1013,7 +1013,7 @@
           <a:p>
             <a:fld id="{6B763B27-ABB2-441F-B869-D878362298D3}" type="datetimeFigureOut">
               <a:rPr lang="en-GB" smtClean="0"/>
-              <a:t>17/02/2016</a:t>
+              <a:t>18/02/2016</a:t>
             </a:fld>
             <a:endParaRPr lang="en-GB"/>
           </a:p>
@@ -1245,7 +1245,7 @@
           <a:p>
             <a:fld id="{6B763B27-ABB2-441F-B869-D878362298D3}" type="datetimeFigureOut">
               <a:rPr lang="en-GB" smtClean="0"/>
-              <a:t>17/02/2016</a:t>
+              <a:t>18/02/2016</a:t>
             </a:fld>
             <a:endParaRPr lang="en-GB"/>
           </a:p>
@@ -1612,7 +1612,7 @@
           <a:p>
             <a:fld id="{6B763B27-ABB2-441F-B869-D878362298D3}" type="datetimeFigureOut">
               <a:rPr lang="en-GB" smtClean="0"/>
-              <a:t>17/02/2016</a:t>
+              <a:t>18/02/2016</a:t>
             </a:fld>
             <a:endParaRPr lang="en-GB"/>
           </a:p>
@@ -1730,7 +1730,7 @@
           <a:p>
             <a:fld id="{6B763B27-ABB2-441F-B869-D878362298D3}" type="datetimeFigureOut">
               <a:rPr lang="en-GB" smtClean="0"/>
-              <a:t>17/02/2016</a:t>
+              <a:t>18/02/2016</a:t>
             </a:fld>
             <a:endParaRPr lang="en-GB"/>
           </a:p>
@@ -1825,7 +1825,7 @@
           <a:p>
             <a:fld id="{6B763B27-ABB2-441F-B869-D878362298D3}" type="datetimeFigureOut">
               <a:rPr lang="en-GB" smtClean="0"/>
-              <a:t>17/02/2016</a:t>
+              <a:t>18/02/2016</a:t>
             </a:fld>
             <a:endParaRPr lang="en-GB"/>
           </a:p>
@@ -2102,7 +2102,7 @@
           <a:p>
             <a:fld id="{6B763B27-ABB2-441F-B869-D878362298D3}" type="datetimeFigureOut">
               <a:rPr lang="en-GB" smtClean="0"/>
-              <a:t>17/02/2016</a:t>
+              <a:t>18/02/2016</a:t>
             </a:fld>
             <a:endParaRPr lang="en-GB"/>
           </a:p>
@@ -2355,7 +2355,7 @@
           <a:p>
             <a:fld id="{6B763B27-ABB2-441F-B869-D878362298D3}" type="datetimeFigureOut">
               <a:rPr lang="en-GB" smtClean="0"/>
-              <a:t>17/02/2016</a:t>
+              <a:t>18/02/2016</a:t>
             </a:fld>
             <a:endParaRPr lang="en-GB"/>
           </a:p>
@@ -2568,7 +2568,7 @@
           <a:p>
             <a:fld id="{6B763B27-ABB2-441F-B869-D878362298D3}" type="datetimeFigureOut">
               <a:rPr lang="en-GB" smtClean="0"/>
-              <a:t>17/02/2016</a:t>
+              <a:t>18/02/2016</a:t>
             </a:fld>
             <a:endParaRPr lang="en-GB"/>
           </a:p>
@@ -3925,7 +3925,7 @@
         <p:spPr>
           <a:xfrm>
             <a:off x="741405" y="708454"/>
-            <a:ext cx="9737125" cy="3877985"/>
+            <a:ext cx="9737125" cy="4524315"/>
           </a:xfrm>
           <a:prstGeom prst="rect">
             <a:avLst/>
@@ -4037,11 +4037,7 @@
             </a:pPr>
             <a:r>
               <a:rPr lang="en-GB" sz="1400" strike="sngStrike" dirty="0" smtClean="0"/>
-              <a:t>Need ability to suspend or delete users</a:t>
-            </a:r>
-            <a:r>
-              <a:rPr lang="en-GB" sz="1400" strike="sngStrike" dirty="0" smtClean="0"/>
-              <a:t>?</a:t>
+              <a:t>Need ability to suspend or delete users?</a:t>
             </a:r>
           </a:p>
           <a:p>
@@ -4060,7 +4056,6 @@
               <a:rPr lang="en-GB" sz="1400" dirty="0" smtClean="0"/>
               <a:t> constraint in SQL. It makes managing the DB harder when changes need to be made.</a:t>
             </a:r>
-            <a:endParaRPr lang="en-GB" sz="1400" dirty="0" smtClean="0"/>
           </a:p>
           <a:p>
             <a:pPr marL="342900" indent="-342900">
@@ -4091,11 +4086,50 @@
             </a:pPr>
             <a:r>
               <a:rPr lang="en-GB" sz="1400" dirty="0" smtClean="0"/>
-              <a:t>Tables currently have </a:t>
+              <a:t>Tables currently have no </a:t>
+            </a:r>
+            <a:r>
+              <a:rPr lang="en-GB" sz="1400" dirty="0" smtClean="0"/>
+              <a:t>indexes</a:t>
+            </a:r>
+          </a:p>
+          <a:p>
+            <a:pPr marL="342900" indent="-342900">
+              <a:buAutoNum type="arabicParenR"/>
+            </a:pPr>
+            <a:r>
+              <a:rPr lang="en-GB" sz="1400" dirty="0" smtClean="0"/>
+              <a:t>Should consider pooling DB connections</a:t>
+            </a:r>
+          </a:p>
+          <a:p>
+            <a:pPr marL="342900" indent="-342900">
+              <a:buAutoNum type="arabicParenR"/>
+            </a:pPr>
+            <a:r>
+              <a:rPr lang="en-GB" sz="1400" dirty="0" smtClean="0"/>
+              <a:t>Should add Lives Remaining to </a:t>
+            </a:r>
+            <a:r>
+              <a:rPr lang="en-GB" sz="1400" dirty="0" err="1" smtClean="0"/>
+              <a:t>PersonPwd</a:t>
+            </a:r>
+            <a:r>
+              <a:rPr lang="en-GB" sz="1400" dirty="0" smtClean="0"/>
+              <a:t>, so X invalid attempts will lock out the account</a:t>
+            </a:r>
+          </a:p>
+          <a:p>
+            <a:pPr marL="342900" indent="-342900">
+              <a:buAutoNum type="arabicParenR"/>
+            </a:pPr>
+            <a:r>
+              <a:rPr lang="en-GB" sz="1400" dirty="0" smtClean="0"/>
+              <a:t>Need better logging to DB and to </a:t>
             </a:r>
             <a:r>
               <a:rPr lang="en-GB" sz="1400" smtClean="0"/>
-              <a:t>no indexes</a:t>
+              <a:t>Tomcat console</a:t>
             </a:r>
             <a:endParaRPr lang="en-GB" sz="1400" dirty="0" smtClean="0"/>
           </a:p>
@@ -4479,35 +4513,22 @@
           <a:p>
             <a:r>
               <a:rPr lang="en-GB" sz="1200" dirty="0" smtClean="0"/>
-              <a:t>Parameters: JSON of Email and </a:t>
-            </a:r>
-            <a:r>
-              <a:rPr lang="en-GB" sz="1200" dirty="0" smtClean="0"/>
-              <a:t>Password</a:t>
-            </a:r>
+              <a:t>Parameters: JSON of Email and Password</a:t>
+            </a:r>
+          </a:p>
+          <a:p>
+            <a:r>
+              <a:rPr lang="en-GB" sz="1200" dirty="0" smtClean="0"/>
+              <a:t>Response: JSON of a Person and one or more Organisation records.</a:t>
+            </a:r>
+          </a:p>
+          <a:p>
             <a:endParaRPr lang="en-GB" sz="1200" dirty="0" smtClean="0"/>
           </a:p>
           <a:p>
             <a:r>
-              <a:rPr lang="en-GB" sz="1200" dirty="0" smtClean="0"/>
-              <a:t>Response: JSON of a Person and one or more Organisation records.</a:t>
-            </a:r>
-          </a:p>
-          <a:p>
-            <a:endParaRPr lang="en-GB" sz="1200" dirty="0" smtClean="0"/>
-          </a:p>
-          <a:p>
-            <a:r>
               <a:rPr lang="en-GB" sz="1000" dirty="0" smtClean="0"/>
-              <a:t>First call, used by a user to authenticate themselves. If the email and </a:t>
-            </a:r>
-            <a:r>
-              <a:rPr lang="en-GB" sz="1000" dirty="0" smtClean="0"/>
-              <a:t>password match </a:t>
-            </a:r>
-            <a:r>
-              <a:rPr lang="en-GB" sz="1000" dirty="0" smtClean="0"/>
-              <a:t>a record in the Person table then that Person record and will be returned along with all the Organisations that the Person has access to. Expectation is that the </a:t>
+              <a:t>First call, used by a user to authenticate themselves. If the email and password match a record in the Person table then that Person record and will be returned along with all the Organisations that the Person has access to. Expectation is that the </a:t>
             </a:r>
             <a:r>
               <a:rPr lang="en-GB" sz="1000" dirty="0" err="1" smtClean="0"/>
@@ -4726,11 +4747,7 @@
           <a:p>
             <a:r>
               <a:rPr lang="en-GB" sz="1200" dirty="0" smtClean="0"/>
-              <a:t>Prerequisites: authenticated </a:t>
-            </a:r>
-            <a:r>
-              <a:rPr lang="en-GB" sz="1200" dirty="0" smtClean="0"/>
-              <a:t>password</a:t>
+              <a:t>Prerequisites: authenticated password</a:t>
             </a:r>
           </a:p>
           <a:p>
@@ -4738,7 +4755,6 @@
               <a:rPr lang="en-GB" sz="1200" dirty="0" smtClean="0"/>
               <a:t>Method: POST</a:t>
             </a:r>
-            <a:endParaRPr lang="en-GB" sz="1200" dirty="0" smtClean="0"/>
           </a:p>
           <a:p>
             <a:r>
@@ -4774,11 +4790,7 @@
           <a:p>
             <a:r>
               <a:rPr lang="en-GB" sz="1200" dirty="0" smtClean="0"/>
-              <a:t>New </a:t>
-            </a:r>
-            <a:r>
-              <a:rPr lang="en-GB" sz="1200" dirty="0" smtClean="0"/>
-              <a:t>folder name and optional Uuid of parent folder</a:t>
+              <a:t>New folder name and optional Uuid of parent folder</a:t>
             </a:r>
           </a:p>
           <a:p>
@@ -4807,7 +4819,7 @@
         </p:nvSpPr>
         <p:spPr>
           <a:xfrm>
-            <a:off x="238897" y="3591413"/>
+            <a:off x="238897" y="3960745"/>
             <a:ext cx="4173712" cy="1415772"/>
           </a:xfrm>
           <a:prstGeom prst="rect">
@@ -4874,7 +4886,7 @@
         </p:nvSpPr>
         <p:spPr>
           <a:xfrm>
-            <a:off x="238897" y="5090156"/>
+            <a:off x="4720016" y="3462853"/>
             <a:ext cx="4173712" cy="1446550"/>
           </a:xfrm>
           <a:prstGeom prst="rect">
@@ -4907,15 +4919,7 @@
           <a:p>
             <a:r>
               <a:rPr lang="en-GB" sz="1200" dirty="0" smtClean="0"/>
-              <a:t>Parameters: </a:t>
-            </a:r>
-            <a:r>
-              <a:rPr lang="en-GB" sz="1200" dirty="0" smtClean="0"/>
-              <a:t>Uuid of folder being moved and Uuid </a:t>
-            </a:r>
-            <a:r>
-              <a:rPr lang="en-GB" sz="1200" dirty="0" smtClean="0"/>
-              <a:t>of new parent folder (or none if moving to top level)</a:t>
+              <a:t>Parameters: Uuid of folder being moved and Uuid of new parent folder (or none if moving to top level)</a:t>
             </a:r>
           </a:p>
           <a:p>
